--- a/static/files/XTensor Workshop.pptx
+++ b/static/files/XTensor Workshop.pptx
@@ -5,7 +5,7 @@
     <p:sldMasterId id="2147483660" r:id="rId1"/>
   </p:sldMasterIdLst>
   <p:notesMasterIdLst>
-    <p:notesMasterId r:id="rId7"/>
+    <p:notesMasterId r:id="rId8"/>
   </p:notesMasterIdLst>
   <p:sldIdLst>
     <p:sldId id="397" r:id="rId2"/>
@@ -13,6 +13,7 @@
     <p:sldId id="398" r:id="rId4"/>
     <p:sldId id="399" r:id="rId5"/>
     <p:sldId id="401" r:id="rId6"/>
+    <p:sldId id="402" r:id="rId7"/>
   </p:sldIdLst>
   <p:sldSz cx="12192000" cy="6858000"/>
   <p:notesSz cx="6858000" cy="9144000"/>
@@ -201,7 +202,7 @@
           <a:p>
             <a:fld id="{0E7BF4F2-5F69-F44E-852E-608EE132537C}" type="datetimeFigureOut">
               <a:rPr lang="en-US" smtClean="0"/>
-              <a:t>4/26/24</a:t>
+              <a:t>4/27/24</a:t>
             </a:fld>
             <a:endParaRPr lang="en-US"/>
           </a:p>
@@ -659,7 +660,7 @@
               <a:pPr>
                 <a:defRPr/>
               </a:pPr>
-              <a:t>4/26/24</a:t>
+              <a:t>4/27/24</a:t>
             </a:fld>
             <a:endParaRPr lang="en-US"/>
           </a:p>
@@ -855,7 +856,7 @@
               <a:pPr>
                 <a:defRPr/>
               </a:pPr>
-              <a:t>4/26/24</a:t>
+              <a:t>4/27/24</a:t>
             </a:fld>
             <a:endParaRPr lang="en-US"/>
           </a:p>
@@ -1060,7 +1061,7 @@
               <a:pPr>
                 <a:defRPr/>
               </a:pPr>
-              <a:t>4/26/24</a:t>
+              <a:t>4/27/24</a:t>
             </a:fld>
             <a:endParaRPr lang="en-US"/>
           </a:p>
@@ -1271,7 +1272,7 @@
           <a:p>
             <a:fld id="{DCFE7AC9-246F-274F-90B0-9B5F72AD257B}" type="datetime1">
               <a:rPr lang="en-US" smtClean="0"/>
-              <a:t>4/26/24</a:t>
+              <a:t>4/27/24</a:t>
             </a:fld>
             <a:endParaRPr lang="en-US"/>
           </a:p>
@@ -1469,7 +1470,7 @@
               <a:pPr>
                 <a:defRPr/>
               </a:pPr>
-              <a:t>4/26/24</a:t>
+              <a:t>4/27/24</a:t>
             </a:fld>
             <a:endParaRPr lang="en-US"/>
           </a:p>
@@ -1742,7 +1743,7 @@
               <a:pPr>
                 <a:defRPr/>
               </a:pPr>
-              <a:t>4/26/24</a:t>
+              <a:t>4/27/24</a:t>
             </a:fld>
             <a:endParaRPr lang="en-US"/>
           </a:p>
@@ -2056,7 +2057,7 @@
               <a:pPr>
                 <a:defRPr/>
               </a:pPr>
-              <a:t>4/26/24</a:t>
+              <a:t>4/27/24</a:t>
             </a:fld>
             <a:endParaRPr lang="en-US"/>
           </a:p>
@@ -2379,7 +2380,7 @@
               <a:pPr>
                 <a:defRPr/>
               </a:pPr>
-              <a:t>4/26/24</a:t>
+              <a:t>4/27/24</a:t>
             </a:fld>
             <a:endParaRPr lang="en-US"/>
           </a:p>
@@ -2523,7 +2524,7 @@
               <a:pPr>
                 <a:defRPr/>
               </a:pPr>
-              <a:t>4/26/24</a:t>
+              <a:t>4/27/24</a:t>
             </a:fld>
             <a:endParaRPr lang="en-US"/>
           </a:p>
@@ -2645,7 +2646,7 @@
               <a:pPr>
                 <a:defRPr/>
               </a:pPr>
-              <a:t>4/26/24</a:t>
+              <a:t>4/27/24</a:t>
             </a:fld>
             <a:endParaRPr lang="en-US"/>
           </a:p>
@@ -2947,7 +2948,7 @@
               <a:pPr>
                 <a:defRPr/>
               </a:pPr>
-              <a:t>4/26/24</a:t>
+              <a:t>4/27/24</a:t>
             </a:fld>
             <a:endParaRPr lang="en-US"/>
           </a:p>
@@ -3234,7 +3235,7 @@
               <a:pPr>
                 <a:defRPr/>
               </a:pPr>
-              <a:t>4/26/24</a:t>
+              <a:t>4/27/24</a:t>
             </a:fld>
             <a:endParaRPr lang="en-US"/>
           </a:p>
@@ -3358,14 +3359,14 @@
           </a:ln>
           <a:extLst>
             <a:ext uri="{909E8E84-426E-40dd-AFC4-6F175D3DCCD1}">
-              <a14:hiddenFill xmlns="" xmlns:a14="http://schemas.microsoft.com/office/drawing/2010/main">
+              <a14:hiddenFill xmlns:a14="http://schemas.microsoft.com/office/drawing/2010/main" xmlns="">
                 <a:solidFill>
                   <a:srgbClr val="FFFFFF"/>
                 </a:solidFill>
               </a14:hiddenFill>
             </a:ext>
             <a:ext uri="{91240B29-F687-4f45-9708-019B960494DF}">
-              <a14:hiddenLine xmlns="" xmlns:a14="http://schemas.microsoft.com/office/drawing/2010/main" w="9525">
+              <a14:hiddenLine xmlns:a14="http://schemas.microsoft.com/office/drawing/2010/main" xmlns="" w="9525">
                 <a:solidFill>
                   <a:srgbClr val="000000"/>
                 </a:solidFill>
@@ -3375,7 +3376,7 @@
               </a14:hiddenLine>
             </a:ext>
             <a:ext uri="{FAA26D3D-D897-4be2-8F04-BA451C77F1D7}">
-              <ma14:placeholderFlag xmlns="" xmlns:ma14="http://schemas.microsoft.com/office/mac/drawingml/2011/main" val="1"/>
+              <ma14:placeholderFlag xmlns:ma14="http://schemas.microsoft.com/office/mac/drawingml/2011/main" xmlns="" val="1"/>
             </a:ext>
           </a:extLst>
         </p:spPr>
@@ -3426,14 +3427,14 @@
           </a:ln>
           <a:extLst>
             <a:ext uri="{909E8E84-426E-40dd-AFC4-6F175D3DCCD1}">
-              <a14:hiddenFill xmlns="" xmlns:a14="http://schemas.microsoft.com/office/drawing/2010/main">
+              <a14:hiddenFill xmlns:a14="http://schemas.microsoft.com/office/drawing/2010/main" xmlns="">
                 <a:solidFill>
                   <a:srgbClr val="FFFFFF"/>
                 </a:solidFill>
               </a14:hiddenFill>
             </a:ext>
             <a:ext uri="{91240B29-F687-4f45-9708-019B960494DF}">
-              <a14:hiddenLine xmlns="" xmlns:a14="http://schemas.microsoft.com/office/drawing/2010/main" w="9525">
+              <a14:hiddenLine xmlns:a14="http://schemas.microsoft.com/office/drawing/2010/main" xmlns="" w="9525">
                 <a:solidFill>
                   <a:srgbClr val="000000"/>
                 </a:solidFill>
@@ -3443,7 +3444,7 @@
               </a14:hiddenLine>
             </a:ext>
             <a:ext uri="{FAA26D3D-D897-4be2-8F04-BA451C77F1D7}">
-              <ma14:placeholderFlag xmlns="" xmlns:ma14="http://schemas.microsoft.com/office/mac/drawingml/2011/main" val="1"/>
+              <ma14:placeholderFlag xmlns:ma14="http://schemas.microsoft.com/office/mac/drawingml/2011/main" xmlns="" val="1"/>
             </a:ext>
           </a:extLst>
         </p:spPr>
@@ -3542,7 +3543,7 @@
               <a:pPr>
                 <a:defRPr/>
               </a:pPr>
-              <a:t>4/26/24</a:t>
+              <a:t>4/27/24</a:t>
             </a:fld>
             <a:endParaRPr lang="en-US" dirty="0"/>
           </a:p>
@@ -4098,6 +4099,9 @@
           <a:lstStyle/>
           <a:p>
             <a:pPr>
+              <a:spcBef>
+                <a:spcPts val="1200"/>
+              </a:spcBef>
               <a:spcAft>
                 <a:spcPts val="500"/>
               </a:spcAft>
@@ -4145,7 +4149,7 @@
               <a:rPr lang="en-US" sz="2000" dirty="0">
                 <a:latin typeface="Arial" charset="0"/>
               </a:rPr>
-              <a:t>Held in conjunction with ASPLOS'24</a:t>
+              <a:t>Held in conjunction with ASPLOS’24</a:t>
             </a:r>
             <a:br>
               <a:rPr lang="en-US" sz="3200" dirty="0">
@@ -4170,8 +4174,8 @@
         </p:nvSpPr>
         <p:spPr>
           <a:xfrm>
-            <a:off x="3061138" y="4103135"/>
-            <a:ext cx="6069724" cy="1414119"/>
+            <a:off x="2887143" y="4090256"/>
+            <a:ext cx="6417713" cy="1414119"/>
           </a:xfrm>
         </p:spPr>
         <p:txBody>
@@ -4187,7 +4191,13 @@
               <a:defRPr/>
             </a:pPr>
             <a:r>
-              <a:rPr lang="en-US" sz="1800" dirty="0">
+              <a:rPr lang="en-US" sz="2000" dirty="0">
+                <a:solidFill>
+                  <a:schemeClr val="tx1">
+                    <a:lumMod val="65000"/>
+                    <a:lumOff val="35000"/>
+                  </a:schemeClr>
+                </a:solidFill>
                 <a:ea typeface="+mn-ea"/>
               </a:rPr>
               <a:t>Organizers: </a:t>
@@ -4201,46 +4211,69 @@
               <a:defRPr/>
             </a:pPr>
             <a:r>
-              <a:rPr lang="en-US" sz="1600" u="sng" dirty="0" err="1">
-                <a:ea typeface="+mn-ea"/>
-              </a:rPr>
-              <a:t>Lizhong</a:t>
-            </a:r>
-            <a:r>
-              <a:rPr lang="en-US" sz="1600" u="sng" dirty="0">
-                <a:ea typeface="+mn-ea"/>
-              </a:rPr>
-              <a:t> Chen @ Oregon State Univ</a:t>
-            </a:r>
-            <a:r>
-              <a:rPr lang="en-US" altLang="zh-CN" sz="1600" u="sng" dirty="0">
-                <a:ea typeface="+mn-ea"/>
-              </a:rPr>
-              <a:t>.</a:t>
-            </a:r>
-            <a:r>
-              <a:rPr lang="en-US" altLang="zh-CN" sz="1600" dirty="0">
-                <a:ea typeface="+mn-ea"/>
-              </a:rPr>
-              <a:t>, </a:t>
-            </a:r>
-            <a:r>
-              <a:rPr lang="en-US" sz="1600" dirty="0">
-                <a:ea typeface="+mn-ea"/>
-              </a:rPr>
-              <a:t>Dong Li @ UC Merced, Frank Mueller @ NCSU, </a:t>
-            </a:r>
-            <a:r>
-              <a:rPr lang="en-US" sz="1600" dirty="0" err="1">
+              <a:rPr lang="en-US" sz="1800" dirty="0" err="1">
+                <a:solidFill>
+                  <a:schemeClr val="tx1">
+                    <a:lumMod val="65000"/>
+                    <a:lumOff val="35000"/>
+                  </a:schemeClr>
+                </a:solidFill>
                 <a:ea typeface="+mn-ea"/>
               </a:rPr>
               <a:t>Jiajia</a:t>
             </a:r>
             <a:r>
-              <a:rPr lang="en-US" sz="1600" dirty="0">
+              <a:rPr lang="en-US" sz="1800" dirty="0">
+                <a:solidFill>
+                  <a:schemeClr val="tx1">
+                    <a:lumMod val="65000"/>
+                    <a:lumOff val="35000"/>
+                  </a:schemeClr>
+                </a:solidFill>
                 <a:ea typeface="+mn-ea"/>
               </a:rPr>
-              <a:t> Li @ NCSU</a:t>
+              <a:t> Li @ NCSU, </a:t>
+            </a:r>
+            <a:r>
+              <a:rPr lang="en-US" sz="1800" u="sng" dirty="0">
+                <a:solidFill>
+                  <a:schemeClr val="tx1">
+                    <a:lumMod val="65000"/>
+                    <a:lumOff val="35000"/>
+                  </a:schemeClr>
+                </a:solidFill>
+                <a:ea typeface="+mn-ea"/>
+              </a:rPr>
+              <a:t>Lizhong Chen @ Oregon State University</a:t>
+            </a:r>
+            <a:endParaRPr lang="en-US" altLang="zh-CN" sz="1800" dirty="0">
+              <a:solidFill>
+                <a:schemeClr val="tx1">
+                  <a:lumMod val="65000"/>
+                  <a:lumOff val="35000"/>
+                </a:schemeClr>
+              </a:solidFill>
+              <a:ea typeface="+mn-ea"/>
+            </a:endParaRPr>
+          </a:p>
+          <a:p>
+            <a:pPr fontAlgn="auto">
+              <a:spcAft>
+                <a:spcPts val="0"/>
+              </a:spcAft>
+              <a:defRPr/>
+            </a:pPr>
+            <a:r>
+              <a:rPr lang="en-US" sz="1800" dirty="0">
+                <a:solidFill>
+                  <a:schemeClr val="tx1">
+                    <a:lumMod val="65000"/>
+                    <a:lumOff val="35000"/>
+                  </a:schemeClr>
+                </a:solidFill>
+                <a:ea typeface="+mn-ea"/>
+              </a:rPr>
+              <a:t>Frank Mueller @ NCSU, Dong Li @ UC Merced</a:t>
             </a:r>
           </a:p>
           <a:p>
@@ -4261,14 +4294,15 @@
               <a:tabLst/>
               <a:defRPr/>
             </a:pPr>
-            <a:endParaRPr kumimoji="0" lang="en-US" sz="1500" b="0" i="0" u="none" strike="noStrike" kern="1200" cap="none" spc="0" normalizeH="0" baseline="0" noProof="0" dirty="0">
+            <a:endParaRPr kumimoji="0" lang="en-US" sz="1600" b="0" i="0" u="none" strike="noStrike" kern="1200" cap="none" spc="0" normalizeH="0" baseline="0" noProof="0" dirty="0">
               <a:ln>
                 <a:noFill/>
               </a:ln>
               <a:solidFill>
-                <a:prstClr val="black">
-                  <a:tint val="75000"/>
-                </a:prstClr>
+                <a:schemeClr val="tx1">
+                  <a:lumMod val="65000"/>
+                  <a:lumOff val="35000"/>
+                </a:schemeClr>
               </a:solidFill>
               <a:effectLst/>
               <a:uLnTx/>
@@ -4297,14 +4331,15 @@
               <a:defRPr/>
             </a:pPr>
             <a:r>
-              <a:rPr kumimoji="0" lang="en-US" sz="1400" b="0" i="0" u="none" strike="noStrike" kern="1200" cap="none" spc="0" normalizeH="0" baseline="0" noProof="0" dirty="0">
+              <a:rPr kumimoji="0" lang="en-US" sz="1600" b="0" i="0" u="none" strike="noStrike" kern="1200" cap="none" spc="0" normalizeH="0" baseline="0" noProof="0" dirty="0">
                 <a:ln>
                   <a:noFill/>
                 </a:ln>
                 <a:solidFill>
-                  <a:prstClr val="black">
-                    <a:tint val="75000"/>
-                  </a:prstClr>
+                  <a:schemeClr val="tx1">
+                    <a:lumMod val="65000"/>
+                    <a:lumOff val="35000"/>
+                  </a:schemeClr>
                 </a:solidFill>
                 <a:effectLst/>
                 <a:uLnTx/>
@@ -4335,14 +4370,15 @@
               <a:defRPr/>
             </a:pPr>
             <a:r>
-              <a:rPr kumimoji="0" lang="en-US" sz="1400" b="0" i="0" u="none" strike="noStrike" kern="1200" cap="none" spc="0" normalizeH="0" baseline="0" noProof="0" dirty="0">
+              <a:rPr kumimoji="0" lang="en-US" sz="1600" b="0" i="0" u="none" strike="noStrike" kern="1200" cap="none" spc="0" normalizeH="0" baseline="0" noProof="0" dirty="0">
                 <a:ln>
                   <a:noFill/>
                 </a:ln>
                 <a:solidFill>
-                  <a:prstClr val="black">
-                    <a:tint val="75000"/>
-                  </a:prstClr>
+                  <a:schemeClr val="tx1">
+                    <a:lumMod val="65000"/>
+                    <a:lumOff val="35000"/>
+                  </a:schemeClr>
                 </a:solidFill>
                 <a:effectLst/>
                 <a:uLnTx/>
@@ -4353,7 +4389,13 @@
               </a:rPr>
               <a:t>Location: Grande E</a:t>
             </a:r>
-            <a:endParaRPr lang="en-US" sz="1800" dirty="0">
+            <a:endParaRPr lang="en-US" sz="2000" dirty="0">
+              <a:solidFill>
+                <a:schemeClr val="tx1">
+                  <a:lumMod val="65000"/>
+                  <a:lumOff val="35000"/>
+                </a:schemeClr>
+              </a:solidFill>
               <a:ea typeface="+mn-ea"/>
             </a:endParaRPr>
           </a:p>
@@ -4525,6 +4567,36 @@
           <a:chExt cx="0" cy="0"/>
         </a:xfrm>
       </p:grpSpPr>
+      <p:pic>
+        <p:nvPicPr>
+          <p:cNvPr id="4" name="Picture 3" descr="A diagram of a network structure&#10;&#10;Description automatically generated">
+            <a:extLst>
+              <a:ext uri="{FF2B5EF4-FFF2-40B4-BE49-F238E27FC236}">
+                <a16:creationId xmlns:a16="http://schemas.microsoft.com/office/drawing/2014/main" id="{20DF4A59-B105-CEFD-B9CF-67E2CD38087A}"/>
+              </a:ext>
+            </a:extLst>
+          </p:cNvPr>
+          <p:cNvPicPr>
+            <a:picLocks noChangeAspect="1"/>
+          </p:cNvPicPr>
+          <p:nvPr/>
+        </p:nvPicPr>
+        <p:blipFill>
+          <a:blip r:embed="rId2"/>
+          <a:stretch>
+            <a:fillRect/>
+          </a:stretch>
+        </p:blipFill>
+        <p:spPr>
+          <a:xfrm>
+            <a:off x="7479157" y="2344644"/>
+            <a:ext cx="4516819" cy="2626601"/>
+          </a:xfrm>
+          <a:prstGeom prst="rect">
+            <a:avLst/>
+          </a:prstGeom>
+        </p:spPr>
+      </p:pic>
       <p:sp>
         <p:nvSpPr>
           <p:cNvPr id="2" name="Title 1">
@@ -4541,7 +4613,12 @@
             <p:ph type="title"/>
           </p:nvPr>
         </p:nvSpPr>
-        <p:spPr/>
+        <p:spPr>
+          <a:xfrm>
+            <a:off x="609600" y="502548"/>
+            <a:ext cx="10972800" cy="1068387"/>
+          </a:xfrm>
+        </p:spPr>
         <p:txBody>
           <a:bodyPr/>
           <a:lstStyle/>
@@ -4569,56 +4646,60 @@
             <p:ph idx="1"/>
           </p:nvPr>
         </p:nvSpPr>
-        <p:spPr/>
+        <p:spPr>
+          <a:xfrm>
+            <a:off x="609600" y="1692493"/>
+            <a:ext cx="10350321" cy="4036105"/>
+          </a:xfrm>
+        </p:spPr>
         <p:txBody>
           <a:bodyPr/>
           <a:lstStyle/>
           <a:p>
             <a:r>
               <a:rPr lang="en-US" sz="2800" dirty="0"/>
-              <a:t>This workshop is to communicate state-of-the-art tensor methods in diverse communities, including but not limited to:</a:t>
+              <a:t>This workshop is to communicate state-of-the-art tensor methods from diverse communities:</a:t>
             </a:r>
           </a:p>
           <a:p>
             <a:pPr lvl="1"/>
             <a:r>
               <a:rPr lang="en-US" sz="2400" dirty="0"/>
-              <a:t>HPC, algorithms, runtime, compiler, architecture angles.</a:t>
+              <a:t>Architecture/HPC</a:t>
+            </a:r>
+          </a:p>
+          <a:p>
+            <a:pPr lvl="1"/>
+            <a:r>
+              <a:rPr lang="en-US" sz="2400" dirty="0"/>
+              <a:t>Programming language</a:t>
+            </a:r>
+          </a:p>
+          <a:p>
+            <a:pPr lvl="1"/>
+            <a:r>
+              <a:rPr lang="en-US" sz="2400" dirty="0"/>
+              <a:t>Compiler</a:t>
+            </a:r>
+          </a:p>
+          <a:p>
+            <a:pPr lvl="1"/>
+            <a:r>
+              <a:rPr lang="en-US" sz="2400" dirty="0"/>
+              <a:t>Algorithm</a:t>
+            </a:r>
+          </a:p>
+          <a:p>
+            <a:pPr lvl="1"/>
+            <a:r>
+              <a:rPr lang="en-US" sz="2400" dirty="0"/>
+              <a:t>etc.</a:t>
             </a:r>
           </a:p>
           <a:p>
             <a:r>
               <a:rPr lang="en-US" sz="2800" dirty="0"/>
-              <a:t>To fulfill the milestones of our NSF </a:t>
-            </a:r>
-            <a:r>
-              <a:rPr lang="en-US" sz="2800" dirty="0" err="1"/>
-              <a:t>PPoSS</a:t>
-            </a:r>
-            <a:r>
-              <a:rPr lang="en-US" sz="2800" dirty="0"/>
-              <a:t> project</a:t>
-            </a:r>
-          </a:p>
-          <a:p>
-            <a:pPr lvl="1"/>
-            <a:r>
-              <a:rPr lang="en-US" sz="2400" dirty="0"/>
-              <a:t>“Collaborative Research: </a:t>
-            </a:r>
-            <a:r>
-              <a:rPr lang="en-US" sz="2400" dirty="0" err="1"/>
-              <a:t>PPoSS</a:t>
-            </a:r>
-            <a:r>
-              <a:rPr lang="en-US" sz="2400" dirty="0"/>
-              <a:t>: LARGE: Cross-layer Coordination and Optimization for Scalable and Sparse Tensor Networks (CROSS)” (Sep 15, 2023 – Aug 31, 2028)</a:t>
-            </a:r>
-          </a:p>
-          <a:p>
-            <a:r>
-              <a:rPr lang="en-US" sz="2800" dirty="0"/>
-              <a:t>Show our recent work to the community and to trigger more discussion.</a:t>
+              <a:t>Facilitate discussions on future directions</a:t>
             </a:r>
           </a:p>
         </p:txBody>
@@ -4669,7 +4750,12 @@
             <p:ph type="title"/>
           </p:nvPr>
         </p:nvSpPr>
-        <p:spPr/>
+        <p:spPr>
+          <a:xfrm>
+            <a:off x="609600" y="502548"/>
+            <a:ext cx="10972800" cy="1068387"/>
+          </a:xfrm>
+        </p:spPr>
         <p:txBody>
           <a:bodyPr/>
           <a:lstStyle/>
@@ -4697,7 +4783,12 @@
             <p:ph idx="1"/>
           </p:nvPr>
         </p:nvSpPr>
-        <p:spPr/>
+        <p:spPr>
+          <a:xfrm>
+            <a:off x="609600" y="1692493"/>
+            <a:ext cx="11118574" cy="4036105"/>
+          </a:xfrm>
+        </p:spPr>
         <p:txBody>
           <a:bodyPr/>
           <a:lstStyle/>
@@ -4732,7 +4823,7 @@
                 <a:effectLst/>
                 <a:latin typeface="Raleway" pitchFamily="2" charset="77"/>
               </a:rPr>
-              <a:t>Keynote Talk “What GPU tensor-cores really bring to the table?</a:t>
+              <a:t>Keynote: “What GPU tensor-cores really bring to the table?</a:t>
             </a:r>
             <a:r>
               <a:rPr lang="en-US" sz="1800" b="0" i="0" dirty="0">
@@ -4742,7 +4833,7 @@
                 <a:effectLst/>
                 <a:latin typeface="Raleway" pitchFamily="2" charset="77"/>
               </a:rPr>
-              <a:t>” </a:t>
+              <a:t>” (</a:t>
             </a:r>
             <a:r>
               <a:rPr lang="en-US" sz="1800" b="1" i="0" dirty="0">
@@ -4752,7 +4843,7 @@
                 <a:effectLst/>
                 <a:latin typeface="Raleway" pitchFamily="2" charset="77"/>
               </a:rPr>
-              <a:t>by Ang Li @ PNNL</a:t>
+              <a:t>Ang Li @ PNNL)</a:t>
             </a:r>
             <a:endParaRPr lang="en-US" sz="1800" b="0" i="0" dirty="0">
               <a:solidFill>
@@ -4771,7 +4862,16 @@
                 <a:effectLst/>
                 <a:latin typeface="Raleway" pitchFamily="2" charset="77"/>
               </a:rPr>
-              <a:t>2:30 - 2:45 pm: A Novel Sparse Tensor Representation for Quantum Simulations, by </a:t>
+              <a:t>2:30 - 2:45 pm: A Novel Sparse Tensor Representation for Quantum Simulations</a:t>
+            </a:r>
+            <a:r>
+              <a:rPr lang="en-US" sz="1800" dirty="0">
+                <a:solidFill>
+                  <a:srgbClr val="303030"/>
+                </a:solidFill>
+                <a:latin typeface="Raleway" pitchFamily="2" charset="77"/>
+              </a:rPr>
+              <a:t> (</a:t>
             </a:r>
             <a:r>
               <a:rPr lang="en-US" sz="1800" b="0" i="0" dirty="0" err="1">
@@ -4811,7 +4911,7 @@
                 <a:effectLst/>
                 <a:latin typeface="Raleway" pitchFamily="2" charset="77"/>
               </a:rPr>
-              <a:t> @ NCSU</a:t>
+              <a:t> @ NCSU)</a:t>
             </a:r>
           </a:p>
           <a:p>
@@ -4823,7 +4923,26 @@
                 <a:effectLst/>
                 <a:latin typeface="Raleway" pitchFamily="2" charset="77"/>
               </a:rPr>
-              <a:t>2:45 - 3:00 pm: Accelerating GEMV via Targeted Tensor Core Optimizations, by Sounder Rajendran @ NCSU</a:t>
+              <a:t>2:45 - 3:00 pm: Accelerating GEMV via Targeted Tensor Core Optimizations</a:t>
+            </a:r>
+            <a:r>
+              <a:rPr lang="en-US" sz="1800" dirty="0">
+                <a:solidFill>
+                  <a:srgbClr val="303030"/>
+                </a:solidFill>
+                <a:latin typeface="Raleway" pitchFamily="2" charset="77"/>
+              </a:rPr>
+              <a:t> (</a:t>
+            </a:r>
+            <a:r>
+              <a:rPr lang="en-US" sz="1800" b="0" i="0" dirty="0">
+                <a:solidFill>
+                  <a:srgbClr val="303030"/>
+                </a:solidFill>
+                <a:effectLst/>
+                <a:latin typeface="Raleway" pitchFamily="2" charset="77"/>
+              </a:rPr>
+              <a:t>Sounder Rajendran @ NCSU)</a:t>
             </a:r>
             <a:endParaRPr lang="en-US" sz="1800" dirty="0">
               <a:solidFill>
@@ -4863,7 +4982,7 @@
                 <a:effectLst/>
                 <a:latin typeface="Raleway" pitchFamily="2" charset="77"/>
               </a:rPr>
-              <a:t>Invited Talk “Toward Fast and Affordable Serving Systems for Large Language Models” by </a:t>
+              <a:t>Invited Talk: “Toward Fast and Affordable Serving Systems for Large Language Models” (</a:t>
             </a:r>
             <a:r>
               <a:rPr lang="en-US" sz="1800" b="1" i="0" dirty="0" err="1">
@@ -4883,7 +5002,7 @@
                 <a:effectLst/>
                 <a:latin typeface="Raleway" pitchFamily="2" charset="77"/>
               </a:rPr>
-              <a:t> Miao @ CMU</a:t>
+              <a:t> Miao @ CMU)</a:t>
             </a:r>
           </a:p>
           <a:p>
@@ -4915,7 +5034,7 @@
                 <a:effectLst/>
                 <a:latin typeface="Raleway" pitchFamily="2" charset="77"/>
               </a:rPr>
-              <a:t> WSE-2, by Sai Krishna Teja Varma </a:t>
+              <a:t> WSE-2 (Sai Krishna Teja Varma </a:t>
             </a:r>
             <a:r>
               <a:rPr lang="en-US" sz="1800" b="0" i="0" dirty="0" err="1">
@@ -4935,7 +5054,7 @@
                 <a:effectLst/>
                 <a:latin typeface="Raleway" pitchFamily="2" charset="77"/>
               </a:rPr>
-              <a:t> @ NCSU</a:t>
+              <a:t> @ NCSU)</a:t>
             </a:r>
             <a:endParaRPr lang="en-US" sz="1800" b="1" dirty="0">
               <a:solidFill>
@@ -5059,24 +5178,8 @@
           <a:p>
             <a:r>
               <a:rPr lang="en-US" sz="2800" dirty="0"/>
-              <a:t>Please find talk details on the workshop website:</a:t>
-            </a:r>
-          </a:p>
-          <a:p>
-            <a:pPr lvl="1"/>
-            <a:r>
-              <a:rPr lang="en-US" sz="2400" dirty="0"/>
-              <a:t>Scan the QR code below</a:t>
-            </a:r>
-            <a:endParaRPr lang="en-US" sz="2400" dirty="0">
-              <a:hlinkClick r:id="rId2">
-                <a:extLst>
-                  <a:ext uri="{A12FA001-AC4F-418D-AE19-62706E023703}">
-                    <ahyp:hlinkClr xmlns:ahyp="http://schemas.microsoft.com/office/drawing/2018/hyperlinkcolor" val="tx"/>
-                  </a:ext>
-                </a:extLst>
-              </a:hlinkClick>
-            </a:endParaRPr>
+              <a:t>Talk details are available on the workshop website:</a:t>
+            </a:r>
           </a:p>
           <a:p>
             <a:pPr lvl="1"/>
@@ -5095,20 +5198,20 @@
             <a:pPr lvl="1"/>
             <a:r>
               <a:rPr lang="en-US" sz="2400" dirty="0"/>
-              <a:t>Or from ASPLOS’s main website: the workshop page.</a:t>
+              <a:t>Also linked from ASPLOS’s main website =&gt; workshop</a:t>
             </a:r>
           </a:p>
           <a:p>
             <a:r>
               <a:rPr lang="en-US" sz="2800" dirty="0"/>
-              <a:t>Please let us know if you have any questions.</a:t>
+              <a:t>Any feedback, comments, suggestions are welcome:</a:t>
             </a:r>
           </a:p>
           <a:p>
             <a:pPr lvl="1"/>
             <a:r>
               <a:rPr lang="en-US" sz="2400" dirty="0"/>
-              <a:t>Email at the bottom of the workshop website.</a:t>
+              <a:t>Contact email at the bottom of the workshop website</a:t>
             </a:r>
           </a:p>
         </p:txBody>
@@ -5254,36 +5357,6 @@
           </a:extLst>
         </p:spPr>
       </p:pic>
-      <p:pic>
-        <p:nvPicPr>
-          <p:cNvPr id="8" name="Picture 7">
-            <a:extLst>
-              <a:ext uri="{FF2B5EF4-FFF2-40B4-BE49-F238E27FC236}">
-                <a16:creationId xmlns:a16="http://schemas.microsoft.com/office/drawing/2014/main" id="{E15B9F94-E9E7-CE66-8ECD-7C5AA14C3507}"/>
-              </a:ext>
-            </a:extLst>
-          </p:cNvPr>
-          <p:cNvPicPr>
-            <a:picLocks noChangeAspect="1"/>
-          </p:cNvPicPr>
-          <p:nvPr/>
-        </p:nvPicPr>
-        <p:blipFill>
-          <a:blip r:embed="rId6"/>
-          <a:stretch>
-            <a:fillRect/>
-          </a:stretch>
-        </p:blipFill>
-        <p:spPr>
-          <a:xfrm>
-            <a:off x="9443544" y="4071329"/>
-            <a:ext cx="2748455" cy="2748455"/>
-          </a:xfrm>
-          <a:prstGeom prst="rect">
-            <a:avLst/>
-          </a:prstGeom>
-        </p:spPr>
-      </p:pic>
     </p:spTree>
     <p:extLst>
       <p:ext uri="{BB962C8B-B14F-4D97-AF65-F5344CB8AC3E}">
@@ -5330,7 +5403,12 @@
             <p:ph type="title"/>
           </p:nvPr>
         </p:nvSpPr>
-        <p:spPr/>
+        <p:spPr>
+          <a:xfrm>
+            <a:off x="609600" y="502548"/>
+            <a:ext cx="10972800" cy="1068387"/>
+          </a:xfrm>
+        </p:spPr>
         <p:txBody>
           <a:bodyPr/>
           <a:lstStyle/>
@@ -5358,14 +5436,19 @@
             <p:ph idx="1"/>
           </p:nvPr>
         </p:nvSpPr>
-        <p:spPr/>
+        <p:spPr>
+          <a:xfrm>
+            <a:off x="609600" y="1692493"/>
+            <a:ext cx="10972800" cy="4036105"/>
+          </a:xfrm>
+        </p:spPr>
         <p:txBody>
           <a:bodyPr/>
           <a:lstStyle/>
           <a:p>
             <a:r>
               <a:rPr lang="en-US" sz="2800" dirty="0"/>
-              <a:t>NCSU has one postdoc position available, will be mentored by Dr. Frank Mueller and Dr. </a:t>
+              <a:t>A postdoc position available at NCSU, mentored by Dr. Frank Mueller and Dr. </a:t>
             </a:r>
             <a:r>
               <a:rPr lang="en-US" sz="2800" dirty="0" err="1"/>
@@ -5374,13 +5457,6 @@
             <a:r>
               <a:rPr lang="en-US" sz="2800" dirty="0"/>
               <a:t> Li.</a:t>
-            </a:r>
-          </a:p>
-          <a:p>
-            <a:pPr lvl="1"/>
-            <a:r>
-              <a:rPr lang="en-US" sz="2400" dirty="0"/>
-              <a:t>Please ask us for more details if you are interested. </a:t>
             </a:r>
           </a:p>
           <a:p>
@@ -5395,7 +5471,10 @@
               </a:rPr>
               <a:t>jiajia.li@ncsu.edu</a:t>
             </a:r>
-            <a:endParaRPr lang="en-US" sz="2400" dirty="0"/>
+            <a:r>
+              <a:rPr lang="en-US" sz="2400" dirty="0"/>
+              <a:t> for more details</a:t>
+            </a:r>
           </a:p>
         </p:txBody>
       </p:sp>
@@ -5450,6 +5529,381 @@
     <p:extLst>
       <p:ext uri="{BB962C8B-B14F-4D97-AF65-F5344CB8AC3E}">
         <p14:creationId xmlns:p14="http://schemas.microsoft.com/office/powerpoint/2010/main" val="1585812516"/>
+      </p:ext>
+    </p:extLst>
+  </p:cSld>
+  <p:clrMapOvr>
+    <a:masterClrMapping/>
+  </p:clrMapOvr>
+</p:sld>
+</file>
+
+<file path=ppt/slides/slide6.xml><?xml version="1.0" encoding="utf-8"?>
+<p:sld xmlns:a="http://schemas.openxmlformats.org/drawingml/2006/main" xmlns:r="http://schemas.openxmlformats.org/officeDocument/2006/relationships" xmlns:p="http://schemas.openxmlformats.org/presentationml/2006/main">
+  <p:cSld>
+    <p:spTree>
+      <p:nvGrpSpPr>
+        <p:cNvPr id="1" name=""/>
+        <p:cNvGrpSpPr/>
+        <p:nvPr/>
+      </p:nvGrpSpPr>
+      <p:grpSpPr>
+        <a:xfrm>
+          <a:off x="0" y="0"/>
+          <a:ext cx="0" cy="0"/>
+          <a:chOff x="0" y="0"/>
+          <a:chExt cx="0" cy="0"/>
+        </a:xfrm>
+      </p:grpSpPr>
+      <p:sp>
+        <p:nvSpPr>
+          <p:cNvPr id="2" name="Title 1">
+            <a:extLst>
+              <a:ext uri="{FF2B5EF4-FFF2-40B4-BE49-F238E27FC236}">
+                <a16:creationId xmlns:a16="http://schemas.microsoft.com/office/drawing/2014/main" id="{944F9255-CAEF-7347-42D7-7FE6775C7B4F}"/>
+              </a:ext>
+            </a:extLst>
+          </p:cNvPr>
+          <p:cNvSpPr>
+            <a:spLocks noGrp="1"/>
+          </p:cNvSpPr>
+          <p:nvPr>
+            <p:ph type="title"/>
+          </p:nvPr>
+        </p:nvSpPr>
+        <p:spPr>
+          <a:xfrm>
+            <a:off x="5620253" y="412733"/>
+            <a:ext cx="6167437" cy="1068387"/>
+          </a:xfrm>
+        </p:spPr>
+        <p:txBody>
+          <a:bodyPr/>
+          <a:lstStyle/>
+          <a:p>
+            <a:r>
+              <a:rPr lang="en-US" dirty="0"/>
+              <a:t>Keynote</a:t>
+            </a:r>
+          </a:p>
+        </p:txBody>
+      </p:sp>
+      <p:sp>
+        <p:nvSpPr>
+          <p:cNvPr id="3" name="Content Placeholder 2">
+            <a:extLst>
+              <a:ext uri="{FF2B5EF4-FFF2-40B4-BE49-F238E27FC236}">
+                <a16:creationId xmlns:a16="http://schemas.microsoft.com/office/drawing/2014/main" id="{9AE7B37C-C763-E904-AB0F-762D54305685}"/>
+              </a:ext>
+            </a:extLst>
+          </p:cNvPr>
+          <p:cNvSpPr>
+            <a:spLocks noGrp="1"/>
+          </p:cNvSpPr>
+          <p:nvPr>
+            <p:ph idx="1"/>
+          </p:nvPr>
+        </p:nvSpPr>
+        <p:spPr>
+          <a:xfrm>
+            <a:off x="6096000" y="3105971"/>
+            <a:ext cx="5215944" cy="1624851"/>
+          </a:xfrm>
+        </p:spPr>
+        <p:txBody>
+          <a:bodyPr/>
+          <a:lstStyle/>
+          <a:p>
+            <a:pPr marL="0" indent="0" algn="ctr">
+              <a:buNone/>
+            </a:pPr>
+            <a:r>
+              <a:rPr lang="en-US" sz="2800" i="1" dirty="0"/>
+              <a:t>“What GPU tensor-cores really bring to the table?”</a:t>
+            </a:r>
+          </a:p>
+        </p:txBody>
+      </p:sp>
+      <p:pic>
+        <p:nvPicPr>
+          <p:cNvPr id="1026" name="Picture 2" descr="Image preview">
+            <a:extLst>
+              <a:ext uri="{FF2B5EF4-FFF2-40B4-BE49-F238E27FC236}">
+                <a16:creationId xmlns:a16="http://schemas.microsoft.com/office/drawing/2014/main" id="{9520149A-C1CE-C550-CD1F-AE7A94D93A4F}"/>
+              </a:ext>
+            </a:extLst>
+          </p:cNvPr>
+          <p:cNvPicPr>
+            <a:picLocks noChangeAspect="1" noChangeArrowheads="1"/>
+          </p:cNvPicPr>
+          <p:nvPr/>
+        </p:nvPicPr>
+        <p:blipFill>
+          <a:blip r:embed="rId2">
+            <a:extLst>
+              <a:ext uri="{28A0092B-C50C-407E-A947-70E740481C1C}">
+                <a14:useLocalDpi xmlns:a14="http://schemas.microsoft.com/office/drawing/2010/main" val="0"/>
+              </a:ext>
+            </a:extLst>
+          </a:blip>
+          <a:srcRect/>
+          <a:stretch>
+            <a:fillRect/>
+          </a:stretch>
+        </p:blipFill>
+        <p:spPr bwMode="auto">
+          <a:xfrm>
+            <a:off x="0" y="0"/>
+            <a:ext cx="5414963" cy="6858000"/>
+          </a:xfrm>
+          <a:prstGeom prst="rect">
+            <a:avLst/>
+          </a:prstGeom>
+          <a:noFill/>
+          <a:extLst>
+            <a:ext uri="{909E8E84-426E-40DD-AFC4-6F175D3DCCD1}">
+              <a14:hiddenFill xmlns:a14="http://schemas.microsoft.com/office/drawing/2010/main">
+                <a:solidFill>
+                  <a:srgbClr val="FFFFFF"/>
+                </a:solidFill>
+              </a14:hiddenFill>
+            </a:ext>
+          </a:extLst>
+        </p:spPr>
+      </p:pic>
+      <p:sp>
+        <p:nvSpPr>
+          <p:cNvPr id="5" name="Content Placeholder 2">
+            <a:extLst>
+              <a:ext uri="{FF2B5EF4-FFF2-40B4-BE49-F238E27FC236}">
+                <a16:creationId xmlns:a16="http://schemas.microsoft.com/office/drawing/2014/main" id="{753CBF55-AF8B-F72E-5BCA-97349EAC734C}"/>
+              </a:ext>
+            </a:extLst>
+          </p:cNvPr>
+          <p:cNvSpPr txBox="1">
+            <a:spLocks/>
+          </p:cNvSpPr>
+          <p:nvPr/>
+        </p:nvSpPr>
+        <p:spPr bwMode="auto">
+          <a:xfrm>
+            <a:off x="5996489" y="1481120"/>
+            <a:ext cx="5414963" cy="1624851"/>
+          </a:xfrm>
+          <a:prstGeom prst="rect">
+            <a:avLst/>
+          </a:prstGeom>
+          <a:noFill/>
+          <a:ln>
+            <a:noFill/>
+          </a:ln>
+          <a:extLst>
+            <a:ext uri="{909E8E84-426E-40dd-AFC4-6F175D3DCCD1}">
+              <a14:hiddenFill xmlns:a14="http://schemas.microsoft.com/office/drawing/2010/main" xmlns="">
+                <a:solidFill>
+                  <a:srgbClr val="FFFFFF"/>
+                </a:solidFill>
+              </a14:hiddenFill>
+            </a:ext>
+            <a:ext uri="{91240B29-F687-4f45-9708-019B960494DF}">
+              <a14:hiddenLine xmlns:a14="http://schemas.microsoft.com/office/drawing/2010/main" xmlns="" w="9525">
+                <a:solidFill>
+                  <a:srgbClr val="000000"/>
+                </a:solidFill>
+                <a:miter lim="800000"/>
+                <a:headEnd/>
+                <a:tailEnd/>
+              </a14:hiddenLine>
+            </a:ext>
+            <a:ext uri="{FAA26D3D-D897-4be2-8F04-BA451C77F1D7}">
+              <ma14:placeholderFlag xmlns:ma14="http://schemas.microsoft.com/office/mac/drawingml/2011/main" xmlns="" val="1"/>
+            </a:ext>
+          </a:extLst>
+        </p:spPr>
+        <p:txBody>
+          <a:bodyPr vert="horz" wrap="square" lIns="91440" tIns="45720" rIns="91440" bIns="45720" numCol="1" anchor="t" anchorCtr="0" compatLnSpc="1">
+            <a:prstTxWarp prst="textNoShape">
+              <a:avLst/>
+            </a:prstTxWarp>
+          </a:bodyPr>
+          <a:lstStyle>
+            <a:lvl1pPr marL="457189" indent="-457189" algn="l" defTabSz="609585" rtl="0" eaLnBrk="1" fontAlgn="base" hangingPunct="1">
+              <a:spcBef>
+                <a:spcPct val="20000"/>
+              </a:spcBef>
+              <a:spcAft>
+                <a:spcPct val="0"/>
+              </a:spcAft>
+              <a:buFont typeface="Arial" charset="0"/>
+              <a:buChar char="•"/>
+              <a:defRPr sz="3200" kern="1200">
+                <a:solidFill>
+                  <a:schemeClr val="tx1"/>
+                </a:solidFill>
+                <a:latin typeface="Arial"/>
+                <a:ea typeface="ＭＳ Ｐゴシック" charset="0"/>
+                <a:cs typeface="Arial"/>
+              </a:defRPr>
+            </a:lvl1pPr>
+            <a:lvl2pPr marL="990575" indent="-380990" algn="l" defTabSz="609585" rtl="0" eaLnBrk="1" fontAlgn="base" hangingPunct="1">
+              <a:spcBef>
+                <a:spcPct val="20000"/>
+              </a:spcBef>
+              <a:spcAft>
+                <a:spcPct val="0"/>
+              </a:spcAft>
+              <a:buFont typeface="Arial" charset="0"/>
+              <a:buChar char="–"/>
+              <a:defRPr sz="2800" kern="1200">
+                <a:solidFill>
+                  <a:schemeClr val="tx1"/>
+                </a:solidFill>
+                <a:latin typeface="Arial"/>
+                <a:ea typeface="ＭＳ Ｐゴシック" charset="0"/>
+                <a:cs typeface="Arial"/>
+              </a:defRPr>
+            </a:lvl2pPr>
+            <a:lvl3pPr marL="1523962" indent="-304792" algn="l" defTabSz="609585" rtl="0" eaLnBrk="1" fontAlgn="base" hangingPunct="1">
+              <a:spcBef>
+                <a:spcPct val="20000"/>
+              </a:spcBef>
+              <a:spcAft>
+                <a:spcPct val="0"/>
+              </a:spcAft>
+              <a:buFont typeface="Arial" charset="0"/>
+              <a:buChar char="•"/>
+              <a:defRPr kern="1200">
+                <a:solidFill>
+                  <a:schemeClr val="tx1"/>
+                </a:solidFill>
+                <a:latin typeface="Arial"/>
+                <a:ea typeface="ＭＳ Ｐゴシック" charset="0"/>
+                <a:cs typeface="Arial"/>
+              </a:defRPr>
+            </a:lvl3pPr>
+            <a:lvl4pPr marL="2133547" indent="-304792" algn="l" defTabSz="609585" rtl="0" eaLnBrk="1" fontAlgn="base" hangingPunct="1">
+              <a:spcBef>
+                <a:spcPct val="20000"/>
+              </a:spcBef>
+              <a:spcAft>
+                <a:spcPct val="0"/>
+              </a:spcAft>
+              <a:buFont typeface="Arial" charset="0"/>
+              <a:buChar char="–"/>
+              <a:defRPr sz="1867" kern="1200">
+                <a:solidFill>
+                  <a:schemeClr val="tx1"/>
+                </a:solidFill>
+                <a:latin typeface="Arial"/>
+                <a:ea typeface="ＭＳ Ｐゴシック" charset="0"/>
+                <a:cs typeface="Arial"/>
+              </a:defRPr>
+            </a:lvl4pPr>
+            <a:lvl5pPr marL="2743131" indent="-304792" algn="l" defTabSz="609585" rtl="0" eaLnBrk="1" fontAlgn="base" hangingPunct="1">
+              <a:spcBef>
+                <a:spcPct val="20000"/>
+              </a:spcBef>
+              <a:spcAft>
+                <a:spcPct val="0"/>
+              </a:spcAft>
+              <a:buFont typeface="Arial" charset="0"/>
+              <a:buChar char="»"/>
+              <a:defRPr sz="1333" kern="1200">
+                <a:solidFill>
+                  <a:schemeClr val="tx1"/>
+                </a:solidFill>
+                <a:latin typeface="Arial"/>
+                <a:ea typeface="ＭＳ Ｐゴシック" charset="0"/>
+                <a:cs typeface="Arial"/>
+              </a:defRPr>
+            </a:lvl5pPr>
+            <a:lvl6pPr marL="3352716" indent="-304792" algn="l" defTabSz="609585" rtl="0" eaLnBrk="1" latinLnBrk="0" hangingPunct="1">
+              <a:spcBef>
+                <a:spcPct val="20000"/>
+              </a:spcBef>
+              <a:buFont typeface="Arial"/>
+              <a:buChar char="•"/>
+              <a:defRPr sz="2667" kern="1200">
+                <a:solidFill>
+                  <a:schemeClr val="tx1"/>
+                </a:solidFill>
+                <a:latin typeface="+mn-lt"/>
+                <a:ea typeface="+mn-ea"/>
+                <a:cs typeface="+mn-cs"/>
+              </a:defRPr>
+            </a:lvl6pPr>
+            <a:lvl7pPr marL="3962301" indent="-304792" algn="l" defTabSz="609585" rtl="0" eaLnBrk="1" latinLnBrk="0" hangingPunct="1">
+              <a:spcBef>
+                <a:spcPct val="20000"/>
+              </a:spcBef>
+              <a:buFont typeface="Arial"/>
+              <a:buChar char="•"/>
+              <a:defRPr sz="2667" kern="1200">
+                <a:solidFill>
+                  <a:schemeClr val="tx1"/>
+                </a:solidFill>
+                <a:latin typeface="+mn-lt"/>
+                <a:ea typeface="+mn-ea"/>
+                <a:cs typeface="+mn-cs"/>
+              </a:defRPr>
+            </a:lvl7pPr>
+            <a:lvl8pPr marL="4571886" indent="-304792" algn="l" defTabSz="609585" rtl="0" eaLnBrk="1" latinLnBrk="0" hangingPunct="1">
+              <a:spcBef>
+                <a:spcPct val="20000"/>
+              </a:spcBef>
+              <a:buFont typeface="Arial"/>
+              <a:buChar char="•"/>
+              <a:defRPr sz="2667" kern="1200">
+                <a:solidFill>
+                  <a:schemeClr val="tx1"/>
+                </a:solidFill>
+                <a:latin typeface="+mn-lt"/>
+                <a:ea typeface="+mn-ea"/>
+                <a:cs typeface="+mn-cs"/>
+              </a:defRPr>
+            </a:lvl8pPr>
+            <a:lvl9pPr marL="5181470" indent="-304792" algn="l" defTabSz="609585" rtl="0" eaLnBrk="1" latinLnBrk="0" hangingPunct="1">
+              <a:spcBef>
+                <a:spcPct val="20000"/>
+              </a:spcBef>
+              <a:buFont typeface="Arial"/>
+              <a:buChar char="•"/>
+              <a:defRPr sz="2667" kern="1200">
+                <a:solidFill>
+                  <a:schemeClr val="tx1"/>
+                </a:solidFill>
+                <a:latin typeface="+mn-lt"/>
+                <a:ea typeface="+mn-ea"/>
+                <a:cs typeface="+mn-cs"/>
+              </a:defRPr>
+            </a:lvl9pPr>
+          </a:lstStyle>
+          <a:p>
+            <a:pPr marL="0" indent="0" algn="ctr">
+              <a:buFont typeface="Arial" charset="0"/>
+              <a:buNone/>
+            </a:pPr>
+            <a:r>
+              <a:rPr lang="en-US" sz="2800" dirty="0"/>
+              <a:t>Dr. Ang Li</a:t>
+            </a:r>
+          </a:p>
+          <a:p>
+            <a:pPr marL="0" indent="0" algn="ctr">
+              <a:buFont typeface="Arial" charset="0"/>
+              <a:buNone/>
+            </a:pPr>
+            <a:r>
+              <a:rPr lang="en-US" sz="2400" dirty="0"/>
+              <a:t>Pacific Northwest National Laboratory </a:t>
+            </a:r>
+          </a:p>
+        </p:txBody>
+      </p:sp>
+    </p:spTree>
+    <p:extLst>
+      <p:ext uri="{BB962C8B-B14F-4D97-AF65-F5344CB8AC3E}">
+        <p14:creationId xmlns:p14="http://schemas.microsoft.com/office/powerpoint/2010/main" val="3957168690"/>
       </p:ext>
     </p:extLst>
   </p:cSld>
